--- a/Presentation Slides/Senior Project Introductory Video.pptx
+++ b/Presentation Slides/Senior Project Introductory Video.pptx
@@ -11,14 +11,12 @@
     <p:sldId id="261" r:id="rId5"/>
     <p:sldId id="262" r:id="rId6"/>
     <p:sldId id="263" r:id="rId7"/>
-    <p:sldId id="265" r:id="rId8"/>
-    <p:sldId id="271" r:id="rId9"/>
-    <p:sldId id="259" r:id="rId10"/>
-    <p:sldId id="269" r:id="rId11"/>
-    <p:sldId id="270" r:id="rId12"/>
-    <p:sldId id="272" r:id="rId13"/>
+    <p:sldId id="259" r:id="rId8"/>
+    <p:sldId id="269" r:id="rId9"/>
+    <p:sldId id="270" r:id="rId10"/>
+    <p:sldId id="272" r:id="rId11"/>
   </p:sldIdLst>
-  <p:sldSz cx="9144000" cy="6858000" type="screen4x3"/>
+  <p:sldSz cx="9144000" cy="5143500" type="screen16x9"/>
   <p:notesSz cx="6858000" cy="9144000"/>
   <p:defaultTextStyle>
     <a:defPPr>
@@ -147,8 +145,8 @@
         </p:nvSpPr>
         <p:spPr>
           <a:xfrm>
-            <a:off x="914400" y="2516624"/>
-            <a:ext cx="7315200" cy="2595025"/>
+            <a:off x="914400" y="1887468"/>
+            <a:ext cx="7315200" cy="1946269"/>
           </a:xfrm>
         </p:spPr>
         <p:txBody>
@@ -181,8 +179,8 @@
         </p:nvSpPr>
         <p:spPr>
           <a:xfrm>
-            <a:off x="914400" y="5166530"/>
-            <a:ext cx="7315200" cy="1144632"/>
+            <a:off x="914400" y="3874898"/>
+            <a:ext cx="7315200" cy="858474"/>
           </a:xfrm>
         </p:spPr>
         <p:txBody>
@@ -555,8 +553,8 @@
         </p:nvSpPr>
         <p:spPr>
           <a:xfrm>
-            <a:off x="6248400" y="1826709"/>
-            <a:ext cx="1492499" cy="4484454"/>
+            <a:off x="6248401" y="1370032"/>
+            <a:ext cx="1492499" cy="3363341"/>
           </a:xfrm>
         </p:spPr>
         <p:txBody>
@@ -583,8 +581,8 @@
         </p:nvSpPr>
         <p:spPr>
           <a:xfrm>
-            <a:off x="854524" y="1826709"/>
-            <a:ext cx="5241476" cy="4484454"/>
+            <a:off x="854524" y="1370032"/>
+            <a:ext cx="5241476" cy="3363341"/>
           </a:xfrm>
         </p:spPr>
         <p:txBody>
@@ -895,8 +893,8 @@
         </p:nvSpPr>
         <p:spPr>
           <a:xfrm>
-            <a:off x="914400" y="5017572"/>
-            <a:ext cx="7315200" cy="1293592"/>
+            <a:off x="914400" y="3763179"/>
+            <a:ext cx="7315200" cy="970194"/>
           </a:xfrm>
         </p:spPr>
         <p:txBody>
@@ -927,8 +925,8 @@
         </p:nvSpPr>
         <p:spPr>
           <a:xfrm>
-            <a:off x="914400" y="3865097"/>
-            <a:ext cx="7315200" cy="1098439"/>
+            <a:off x="914400" y="2898823"/>
+            <a:ext cx="7315200" cy="823829"/>
           </a:xfrm>
         </p:spPr>
         <p:txBody>
@@ -1199,8 +1197,8 @@
         </p:nvSpPr>
         <p:spPr>
           <a:xfrm>
-            <a:off x="914400" y="1544715"/>
-            <a:ext cx="7315200" cy="1154097"/>
+            <a:off x="914400" y="1158537"/>
+            <a:ext cx="7315200" cy="865573"/>
           </a:xfrm>
         </p:spPr>
         <p:txBody>
@@ -1227,8 +1225,8 @@
         </p:nvSpPr>
         <p:spPr>
           <a:xfrm>
-            <a:off x="914400" y="2743200"/>
-            <a:ext cx="3566160" cy="3593592"/>
+            <a:off x="914400" y="2057400"/>
+            <a:ext cx="3566160" cy="2695194"/>
           </a:xfrm>
         </p:spPr>
         <p:txBody>
@@ -1284,8 +1282,8 @@
         </p:nvSpPr>
         <p:spPr>
           <a:xfrm>
-            <a:off x="4681728" y="2743200"/>
-            <a:ext cx="3566160" cy="3595687"/>
+            <a:off x="4681728" y="2057401"/>
+            <a:ext cx="3566160" cy="2696765"/>
           </a:xfrm>
         </p:spPr>
         <p:txBody>
@@ -1366,8 +1364,8 @@
         </p:nvSpPr>
         <p:spPr>
           <a:xfrm>
-            <a:off x="1116348" y="2743200"/>
-            <a:ext cx="3364992" cy="621792"/>
+            <a:off x="1116348" y="2057400"/>
+            <a:ext cx="3364992" cy="466344"/>
           </a:xfrm>
         </p:spPr>
         <p:txBody>
@@ -1437,8 +1435,8 @@
         </p:nvSpPr>
         <p:spPr>
           <a:xfrm>
-            <a:off x="4885144" y="2743200"/>
-            <a:ext cx="3362062" cy="621792"/>
+            <a:off x="4885144" y="2057400"/>
+            <a:ext cx="3362062" cy="466344"/>
           </a:xfrm>
         </p:spPr>
         <p:txBody>
@@ -1573,8 +1571,8 @@
         </p:nvSpPr>
         <p:spPr>
           <a:xfrm>
-            <a:off x="914400" y="1544715"/>
-            <a:ext cx="7315200" cy="1154097"/>
+            <a:off x="914400" y="1158537"/>
+            <a:ext cx="7315200" cy="865573"/>
           </a:xfrm>
         </p:spPr>
         <p:txBody>
@@ -1601,8 +1599,8 @@
         </p:nvSpPr>
         <p:spPr>
           <a:xfrm>
-            <a:off x="914400" y="3383280"/>
-            <a:ext cx="3566160" cy="2953512"/>
+            <a:off x="914400" y="2537460"/>
+            <a:ext cx="3566160" cy="2215134"/>
           </a:xfrm>
         </p:spPr>
         <p:txBody>
@@ -1658,8 +1656,8 @@
         </p:nvSpPr>
         <p:spPr>
           <a:xfrm>
-            <a:off x="4681727" y="3383280"/>
-            <a:ext cx="3566160" cy="2953512"/>
+            <a:off x="4681727" y="2537460"/>
+            <a:ext cx="3566160" cy="2215134"/>
           </a:xfrm>
         </p:spPr>
         <p:txBody>
@@ -1943,8 +1941,8 @@
         </p:nvSpPr>
         <p:spPr>
           <a:xfrm>
-            <a:off x="914400" y="1825362"/>
-            <a:ext cx="2950936" cy="2173015"/>
+            <a:off x="914400" y="1369022"/>
+            <a:ext cx="2950936" cy="1629761"/>
           </a:xfrm>
         </p:spPr>
         <p:txBody>
@@ -1977,8 +1975,8 @@
         </p:nvSpPr>
         <p:spPr>
           <a:xfrm>
-            <a:off x="4021752" y="1826709"/>
-            <a:ext cx="4207848" cy="4476614"/>
+            <a:off x="4021752" y="1370032"/>
+            <a:ext cx="4207848" cy="3357461"/>
           </a:xfrm>
         </p:spPr>
         <p:txBody>
@@ -2062,8 +2060,8 @@
         </p:nvSpPr>
         <p:spPr>
           <a:xfrm>
-            <a:off x="914400" y="4061095"/>
-            <a:ext cx="2950936" cy="2245387"/>
+            <a:off x="914400" y="3045822"/>
+            <a:ext cx="2950936" cy="1684040"/>
           </a:xfrm>
         </p:spPr>
         <p:txBody>
@@ -2217,8 +2215,8 @@
         </p:nvSpPr>
         <p:spPr>
           <a:xfrm>
-            <a:off x="914400" y="1828800"/>
-            <a:ext cx="2953512" cy="2176272"/>
+            <a:off x="914400" y="1371600"/>
+            <a:ext cx="2953512" cy="1632204"/>
           </a:xfrm>
         </p:spPr>
         <p:txBody>
@@ -2251,8 +2249,8 @@
         </p:nvSpPr>
         <p:spPr>
           <a:xfrm>
-            <a:off x="4191000" y="2286000"/>
-            <a:ext cx="4038600" cy="3352800"/>
+            <a:off x="4191000" y="1714500"/>
+            <a:ext cx="4038600" cy="2514600"/>
           </a:xfrm>
           <a:solidFill>
             <a:schemeClr val="accent2"/>
@@ -2334,8 +2332,8 @@
         </p:nvSpPr>
         <p:spPr>
           <a:xfrm>
-            <a:off x="914400" y="4059936"/>
-            <a:ext cx="2953512" cy="2249424"/>
+            <a:off x="914400" y="3044952"/>
+            <a:ext cx="2953512" cy="1687068"/>
           </a:xfrm>
         </p:spPr>
         <p:txBody>
@@ -2490,8 +2488,8 @@
         </p:nvSpPr>
         <p:spPr>
           <a:xfrm>
-            <a:off x="8435268" y="573807"/>
-            <a:ext cx="86236" cy="572316"/>
+            <a:off x="8435268" y="430355"/>
+            <a:ext cx="86236" cy="429237"/>
           </a:xfrm>
           <a:prstGeom prst="rect">
             <a:avLst/>
@@ -2536,8 +2534,8 @@
         </p:nvSpPr>
         <p:spPr>
           <a:xfrm>
-            <a:off x="8569419" y="573807"/>
-            <a:ext cx="576072" cy="572316"/>
+            <a:off x="8569419" y="430355"/>
+            <a:ext cx="576072" cy="429237"/>
           </a:xfrm>
           <a:prstGeom prst="rect">
             <a:avLst/>
@@ -2586,8 +2584,8 @@
         </p:nvSpPr>
         <p:spPr>
           <a:xfrm>
-            <a:off x="914400" y="1544715"/>
-            <a:ext cx="7315200" cy="1154097"/>
+            <a:off x="914400" y="1158537"/>
+            <a:ext cx="7315200" cy="865573"/>
           </a:xfrm>
           <a:prstGeom prst="rect">
             <a:avLst/>
@@ -2619,8 +2617,8 @@
         </p:nvSpPr>
         <p:spPr>
           <a:xfrm>
-            <a:off x="914400" y="2769833"/>
-            <a:ext cx="7315200" cy="3539527"/>
+            <a:off x="914400" y="2077375"/>
+            <a:ext cx="7315200" cy="2654645"/>
           </a:xfrm>
           <a:prstGeom prst="rect">
             <a:avLst/>
@@ -2681,8 +2679,8 @@
         </p:nvSpPr>
         <p:spPr>
           <a:xfrm>
-            <a:off x="6007690" y="548797"/>
-            <a:ext cx="1189132" cy="297918"/>
+            <a:off x="6007690" y="411597"/>
+            <a:ext cx="1189132" cy="223439"/>
           </a:xfrm>
           <a:prstGeom prst="rect">
             <a:avLst/>
@@ -2722,8 +2720,8 @@
         </p:nvSpPr>
         <p:spPr>
           <a:xfrm>
-            <a:off x="7314415" y="548797"/>
-            <a:ext cx="941203" cy="301752"/>
+            <a:off x="7314416" y="411598"/>
+            <a:ext cx="941203" cy="226314"/>
           </a:xfrm>
           <a:prstGeom prst="rect">
             <a:avLst/>
@@ -2761,8 +2759,8 @@
         </p:nvSpPr>
         <p:spPr>
           <a:xfrm>
-            <a:off x="6008688" y="855956"/>
-            <a:ext cx="2246489" cy="301227"/>
+            <a:off x="6008689" y="641968"/>
+            <a:ext cx="2246489" cy="225920"/>
           </a:xfrm>
           <a:prstGeom prst="rect">
             <a:avLst/>
@@ -3165,13 +3163,13 @@
         </p:nvSpPr>
         <p:spPr>
           <a:xfrm>
-            <a:off x="838200" y="1066800"/>
-            <a:ext cx="7315200" cy="2595025"/>
+            <a:off x="838200" y="800100"/>
+            <a:ext cx="7315200" cy="1946269"/>
           </a:xfrm>
         </p:spPr>
         <p:txBody>
           <a:bodyPr>
-            <a:normAutofit/>
+            <a:normAutofit fontScale="90000"/>
           </a:bodyPr>
           <a:lstStyle/>
           <a:p>
@@ -3185,15 +3183,7 @@
             </a:br>
             <a:r>
               <a:rPr lang="en-US" dirty="0" smtClean="0"/>
-              <a:t>Robotic </a:t>
-            </a:r>
-            <a:r>
-              <a:rPr lang="en-US" dirty="0" smtClean="0"/>
-              <a:t>Arm </a:t>
-            </a:r>
-            <a:r>
-              <a:rPr lang="en-US" dirty="0" smtClean="0"/>
-              <a:t>1.0</a:t>
+              <a:t>Robotic Arm 1.0</a:t>
             </a:r>
             <a:endParaRPr lang="en-US" dirty="0"/>
           </a:p>
@@ -3211,8 +3201,8 @@
         </p:nvSpPr>
         <p:spPr>
           <a:xfrm>
-            <a:off x="914400" y="3886200"/>
-            <a:ext cx="7315200" cy="2424962"/>
+            <a:off x="914400" y="2914650"/>
+            <a:ext cx="7315200" cy="1818722"/>
           </a:xfrm>
         </p:spPr>
         <p:txBody>
@@ -3236,7 +3226,15 @@
             <a:pPr algn="ctr"/>
             <a:r>
               <a:rPr lang="en-US" dirty="0" smtClean="0"/>
-              <a:t>Instructor: Masoud Sadjadi</a:t>
+              <a:t>Instructor: Dr. </a:t>
+            </a:r>
+            <a:r>
+              <a:rPr lang="en-US" dirty="0" err="1" smtClean="0"/>
+              <a:t>Masoud</a:t>
+            </a:r>
+            <a:r>
+              <a:rPr lang="en-US" dirty="0" smtClean="0"/>
+              <a:t> Sadjadi</a:t>
             </a:r>
             <a:endParaRPr lang="en-US" dirty="0"/>
           </a:p>
@@ -3252,236 +3250,17 @@
   <p:clrMapOvr>
     <a:masterClrMapping/>
   </p:clrMapOvr>
+  <p:timing>
+    <p:tnLst>
+      <p:par>
+        <p:cTn id="1" dur="indefinite" restart="never" nodeType="tmRoot"/>
+      </p:par>
+    </p:tnLst>
+  </p:timing>
 </p:sld>
 </file>
 
 <file path=ppt/slides/slide10.xml><?xml version="1.0" encoding="utf-8"?>
-<p:sld xmlns:a="http://schemas.openxmlformats.org/drawingml/2006/main" xmlns:r="http://schemas.openxmlformats.org/officeDocument/2006/relationships" xmlns:p="http://schemas.openxmlformats.org/presentationml/2006/main">
-  <p:cSld>
-    <p:spTree>
-      <p:nvGrpSpPr>
-        <p:cNvPr id="1" name=""/>
-        <p:cNvGrpSpPr/>
-        <p:nvPr/>
-      </p:nvGrpSpPr>
-      <p:grpSpPr>
-        <a:xfrm>
-          <a:off x="0" y="0"/>
-          <a:ext cx="0" cy="0"/>
-          <a:chOff x="0" y="0"/>
-          <a:chExt cx="0" cy="0"/>
-        </a:xfrm>
-      </p:grpSpPr>
-      <p:pic>
-        <p:nvPicPr>
-          <p:cNvPr id="3" name="Picture 32" descr="C:\Users\Shadeh\Desktop\Discovery Lab\Pics for Poster\publisher screenshot.png"/>
-          <p:cNvPicPr>
-            <a:picLocks noChangeAspect="1" noChangeArrowheads="1"/>
-          </p:cNvPicPr>
-          <p:nvPr/>
-        </p:nvPicPr>
-        <p:blipFill>
-          <a:blip r:embed="rId2">
-            <a:extLst>
-              <a:ext uri="{28A0092B-C50C-407E-A947-70E740481C1C}">
-                <a14:useLocalDpi xmlns:a14="http://schemas.microsoft.com/office/drawing/2010/main" val="0"/>
-              </a:ext>
-            </a:extLst>
-          </a:blip>
-          <a:srcRect/>
-          <a:stretch>
-            <a:fillRect/>
-          </a:stretch>
-        </p:blipFill>
-        <p:spPr bwMode="auto">
-          <a:xfrm>
-            <a:off x="2971800" y="1752600"/>
-            <a:ext cx="2754621" cy="4813300"/>
-          </a:xfrm>
-          <a:prstGeom prst="rect">
-            <a:avLst/>
-          </a:prstGeom>
-          <a:noFill/>
-          <a:ln>
-            <a:noFill/>
-          </a:ln>
-          <a:extLst>
-            <a:ext uri="{909E8E84-426E-40DD-AFC4-6F175D3DCCD1}">
-              <a14:hiddenFill xmlns:a14="http://schemas.microsoft.com/office/drawing/2010/main">
-                <a:solidFill>
-                  <a:srgbClr val="FFFFFF"/>
-                </a:solidFill>
-              </a14:hiddenFill>
-            </a:ext>
-            <a:ext uri="{91240B29-F687-4F45-9708-019B960494DF}">
-              <a14:hiddenLine xmlns:a14="http://schemas.microsoft.com/office/drawing/2010/main" w="9525">
-                <a:solidFill>
-                  <a:srgbClr val="000000"/>
-                </a:solidFill>
-                <a:miter lim="800000"/>
-                <a:headEnd/>
-                <a:tailEnd/>
-              </a14:hiddenLine>
-            </a:ext>
-          </a:extLst>
-        </p:spPr>
-      </p:pic>
-      <p:sp>
-        <p:nvSpPr>
-          <p:cNvPr id="4" name="Title 3"/>
-          <p:cNvSpPr>
-            <a:spLocks noGrp="1"/>
-          </p:cNvSpPr>
-          <p:nvPr>
-            <p:ph type="title"/>
-          </p:nvPr>
-        </p:nvSpPr>
-        <p:spPr>
-          <a:xfrm>
-            <a:off x="818703" y="304800"/>
-            <a:ext cx="7315200" cy="1154097"/>
-          </a:xfrm>
-        </p:spPr>
-        <p:txBody>
-          <a:bodyPr/>
-          <a:lstStyle/>
-          <a:p>
-            <a:pPr algn="ctr"/>
-            <a:r>
-              <a:rPr lang="en-US" dirty="0" smtClean="0"/>
-              <a:t>IMU Master/Publisher GUI</a:t>
-            </a:r>
-            <a:endParaRPr lang="en-US" dirty="0"/>
-          </a:p>
-        </p:txBody>
-      </p:sp>
-    </p:spTree>
-    <p:extLst>
-      <p:ext uri="{BB962C8B-B14F-4D97-AF65-F5344CB8AC3E}">
-        <p14:creationId xmlns:p14="http://schemas.microsoft.com/office/powerpoint/2010/main" val="1236916587"/>
-      </p:ext>
-    </p:extLst>
-  </p:cSld>
-  <p:clrMapOvr>
-    <a:masterClrMapping/>
-  </p:clrMapOvr>
-</p:sld>
-</file>
-
-<file path=ppt/slides/slide11.xml><?xml version="1.0" encoding="utf-8"?>
-<p:sld xmlns:a="http://schemas.openxmlformats.org/drawingml/2006/main" xmlns:r="http://schemas.openxmlformats.org/officeDocument/2006/relationships" xmlns:p="http://schemas.openxmlformats.org/presentationml/2006/main">
-  <p:cSld>
-    <p:spTree>
-      <p:nvGrpSpPr>
-        <p:cNvPr id="1" name=""/>
-        <p:cNvGrpSpPr/>
-        <p:nvPr/>
-      </p:nvGrpSpPr>
-      <p:grpSpPr>
-        <a:xfrm>
-          <a:off x="0" y="0"/>
-          <a:ext cx="0" cy="0"/>
-          <a:chOff x="0" y="0"/>
-          <a:chExt cx="0" cy="0"/>
-        </a:xfrm>
-      </p:grpSpPr>
-      <p:pic>
-        <p:nvPicPr>
-          <p:cNvPr id="2" name="Picture 34" descr="C:\Users\Shadeh\Desktop\Discovery Lab\Pics for Poster\voice master screenshot.png"/>
-          <p:cNvPicPr>
-            <a:picLocks noChangeAspect="1" noChangeArrowheads="1"/>
-          </p:cNvPicPr>
-          <p:nvPr/>
-        </p:nvPicPr>
-        <p:blipFill>
-          <a:blip r:embed="rId2">
-            <a:extLst>
-              <a:ext uri="{28A0092B-C50C-407E-A947-70E740481C1C}">
-                <a14:useLocalDpi xmlns:a14="http://schemas.microsoft.com/office/drawing/2010/main" val="0"/>
-              </a:ext>
-            </a:extLst>
-          </a:blip>
-          <a:srcRect/>
-          <a:stretch>
-            <a:fillRect/>
-          </a:stretch>
-        </p:blipFill>
-        <p:spPr bwMode="auto">
-          <a:xfrm>
-            <a:off x="1143000" y="2438400"/>
-            <a:ext cx="7065144" cy="1524000"/>
-          </a:xfrm>
-          <a:prstGeom prst="rect">
-            <a:avLst/>
-          </a:prstGeom>
-          <a:noFill/>
-          <a:ln>
-            <a:noFill/>
-          </a:ln>
-          <a:extLst>
-            <a:ext uri="{909E8E84-426E-40DD-AFC4-6F175D3DCCD1}">
-              <a14:hiddenFill xmlns:a14="http://schemas.microsoft.com/office/drawing/2010/main">
-                <a:solidFill>
-                  <a:srgbClr val="FFFFFF"/>
-                </a:solidFill>
-              </a14:hiddenFill>
-            </a:ext>
-            <a:ext uri="{91240B29-F687-4F45-9708-019B960494DF}">
-              <a14:hiddenLine xmlns:a14="http://schemas.microsoft.com/office/drawing/2010/main" w="9525">
-                <a:solidFill>
-                  <a:srgbClr val="000000"/>
-                </a:solidFill>
-                <a:miter lim="800000"/>
-                <a:headEnd/>
-                <a:tailEnd/>
-              </a14:hiddenLine>
-            </a:ext>
-          </a:extLst>
-        </p:spPr>
-      </p:pic>
-      <p:sp>
-        <p:nvSpPr>
-          <p:cNvPr id="3" name="Title 2"/>
-          <p:cNvSpPr>
-            <a:spLocks noGrp="1"/>
-          </p:cNvSpPr>
-          <p:nvPr>
-            <p:ph type="title"/>
-          </p:nvPr>
-        </p:nvSpPr>
-        <p:spPr>
-          <a:xfrm>
-            <a:off x="892944" y="76200"/>
-            <a:ext cx="7315200" cy="1154097"/>
-          </a:xfrm>
-        </p:spPr>
-        <p:txBody>
-          <a:bodyPr/>
-          <a:lstStyle/>
-          <a:p>
-            <a:pPr algn="ctr"/>
-            <a:r>
-              <a:rPr lang="en-US" dirty="0" smtClean="0"/>
-              <a:t>Voice Master/Publisher GUI</a:t>
-            </a:r>
-            <a:endParaRPr lang="en-US" dirty="0"/>
-          </a:p>
-        </p:txBody>
-      </p:sp>
-    </p:spTree>
-    <p:extLst>
-      <p:ext uri="{BB962C8B-B14F-4D97-AF65-F5344CB8AC3E}">
-        <p14:creationId xmlns:p14="http://schemas.microsoft.com/office/powerpoint/2010/main" val="3099653501"/>
-      </p:ext>
-    </p:extLst>
-  </p:cSld>
-  <p:clrMapOvr>
-    <a:masterClrMapping/>
-  </p:clrMapOvr>
-</p:sld>
-</file>
-
-<file path=ppt/slides/slide12.xml><?xml version="1.0" encoding="utf-8"?>
 <p:sld xmlns:a="http://schemas.openxmlformats.org/drawingml/2006/main" xmlns:r="http://schemas.openxmlformats.org/officeDocument/2006/relationships" xmlns:p="http://schemas.openxmlformats.org/presentationml/2006/main">
   <p:cSld>
     <p:spTree>
@@ -3521,8 +3300,8 @@
         </p:blipFill>
         <p:spPr bwMode="auto">
           <a:xfrm>
-            <a:off x="2190750" y="1524000"/>
-            <a:ext cx="4762500" cy="3810000"/>
+            <a:off x="2190750" y="1143000"/>
+            <a:ext cx="4762500" cy="2857500"/>
           </a:xfrm>
           <a:prstGeom prst="rect">
             <a:avLst/>
@@ -3549,6 +3328,13 @@
   <p:clrMapOvr>
     <a:masterClrMapping/>
   </p:clrMapOvr>
+  <p:timing>
+    <p:tnLst>
+      <p:par>
+        <p:cTn id="1" dur="indefinite" restart="never" nodeType="tmRoot"/>
+      </p:par>
+    </p:tnLst>
+  </p:timing>
 </p:sld>
 </file>
 
@@ -3579,8 +3365,8 @@
         </p:nvSpPr>
         <p:spPr>
           <a:xfrm>
-            <a:off x="609600" y="457200"/>
-            <a:ext cx="8153400" cy="762000"/>
+            <a:off x="609600" y="342900"/>
+            <a:ext cx="8153400" cy="571500"/>
           </a:xfrm>
           <a:prstGeom prst="rect">
             <a:avLst/>
@@ -3687,8 +3473,8 @@
         </p:blipFill>
         <p:spPr bwMode="auto">
           <a:xfrm>
-            <a:off x="470047" y="1293508"/>
-            <a:ext cx="4711553" cy="2287891"/>
+            <a:off x="1371599" y="1147048"/>
+            <a:ext cx="3962401" cy="1715918"/>
           </a:xfrm>
           <a:prstGeom prst="rect">
             <a:avLst/>
@@ -3719,8 +3505,8 @@
         </p:blipFill>
         <p:spPr bwMode="auto">
           <a:xfrm>
-            <a:off x="5715000" y="1295400"/>
-            <a:ext cx="3048000" cy="5043776"/>
+            <a:off x="5715000" y="971550"/>
+            <a:ext cx="3048000" cy="3782832"/>
           </a:xfrm>
           <a:prstGeom prst="rect">
             <a:avLst/>
@@ -3750,8 +3536,8 @@
         </p:blipFill>
         <p:spPr>
           <a:xfrm>
-            <a:off x="495448" y="3962400"/>
-            <a:ext cx="4735009" cy="2399936"/>
+            <a:off x="1371600" y="3181350"/>
+            <a:ext cx="3307610" cy="1590402"/>
           </a:xfrm>
           <a:prstGeom prst="rect">
             <a:avLst/>
@@ -3768,6 +3554,13 @@
   <p:clrMapOvr>
     <a:masterClrMapping/>
   </p:clrMapOvr>
+  <p:timing>
+    <p:tnLst>
+      <p:par>
+        <p:cTn id="1" dur="indefinite" restart="never" nodeType="tmRoot"/>
+      </p:par>
+    </p:tnLst>
+  </p:timing>
 </p:sld>
 </file>
 
@@ -3800,12 +3593,14 @@
         </p:nvSpPr>
         <p:spPr>
           <a:xfrm>
-            <a:off x="838200" y="304801"/>
-            <a:ext cx="7315200" cy="914400"/>
+            <a:off x="838200" y="228601"/>
+            <a:ext cx="7315200" cy="685800"/>
           </a:xfrm>
         </p:spPr>
         <p:txBody>
-          <a:bodyPr/>
+          <a:bodyPr>
+            <a:normAutofit fontScale="90000"/>
+          </a:bodyPr>
           <a:lstStyle/>
           <a:p>
             <a:pPr algn="ctr"/>
@@ -3840,8 +3635,8 @@
         </p:blipFill>
         <p:spPr bwMode="auto">
           <a:xfrm flipH="1">
-            <a:off x="914400" y="1340385"/>
-            <a:ext cx="2133600" cy="1600200"/>
+            <a:off x="914400" y="1005289"/>
+            <a:ext cx="2133600" cy="1200150"/>
           </a:xfrm>
           <a:prstGeom prst="rect">
             <a:avLst/>
@@ -3881,8 +3676,8 @@
         </p:blipFill>
         <p:spPr bwMode="auto">
           <a:xfrm>
-            <a:off x="6637715" y="5056037"/>
-            <a:ext cx="2027209" cy="1520407"/>
+            <a:off x="6637716" y="3792028"/>
+            <a:ext cx="2027209" cy="1140305"/>
           </a:xfrm>
           <a:prstGeom prst="rect">
             <a:avLst/>
@@ -3922,8 +3717,8 @@
         </p:blipFill>
         <p:spPr bwMode="auto">
           <a:xfrm>
-            <a:off x="914400" y="5087604"/>
-            <a:ext cx="1828800" cy="1371600"/>
+            <a:off x="914400" y="3815703"/>
+            <a:ext cx="1828800" cy="1028700"/>
           </a:xfrm>
           <a:prstGeom prst="rect">
             <a:avLst/>
@@ -3963,8 +3758,8 @@
         </p:blipFill>
         <p:spPr bwMode="auto">
           <a:xfrm>
-            <a:off x="6347605" y="1340385"/>
-            <a:ext cx="2317319" cy="1741703"/>
+            <a:off x="6347606" y="1005289"/>
+            <a:ext cx="2317319" cy="1306277"/>
           </a:xfrm>
           <a:prstGeom prst="rect">
             <a:avLst/>
@@ -4004,8 +3799,8 @@
         </p:blipFill>
         <p:spPr bwMode="auto">
           <a:xfrm>
-            <a:off x="3124200" y="3018514"/>
-            <a:ext cx="3048000" cy="2024670"/>
+            <a:off x="3124200" y="2263885"/>
+            <a:ext cx="3048000" cy="1518503"/>
           </a:xfrm>
           <a:prstGeom prst="rect">
             <a:avLst/>
@@ -4032,6 +3827,13 @@
   <p:clrMapOvr>
     <a:masterClrMapping/>
   </p:clrMapOvr>
+  <p:timing>
+    <p:tnLst>
+      <p:par>
+        <p:cTn id="1" dur="indefinite" restart="never" nodeType="tmRoot"/>
+      </p:par>
+    </p:tnLst>
+  </p:timing>
 </p:sld>
 </file>
 
@@ -4145,6 +3947,13 @@
   <p:clrMapOvr>
     <a:masterClrMapping/>
   </p:clrMapOvr>
+  <p:timing>
+    <p:tnLst>
+      <p:par>
+        <p:cTn id="1" dur="indefinite" restart="never" nodeType="tmRoot"/>
+      </p:par>
+    </p:tnLst>
+  </p:timing>
 </p:sld>
 </file>
 
@@ -4296,6 +4105,13 @@
   <p:clrMapOvr>
     <a:masterClrMapping/>
   </p:clrMapOvr>
+  <p:timing>
+    <p:tnLst>
+      <p:par>
+        <p:cTn id="1" dur="indefinite" restart="never" nodeType="tmRoot"/>
+      </p:par>
+    </p:tnLst>
+  </p:timing>
 </p:sld>
 </file>
 
@@ -4353,7 +4169,7 @@
         <p:spPr/>
         <p:txBody>
           <a:bodyPr>
-            <a:normAutofit fontScale="70000" lnSpcReduction="20000"/>
+            <a:normAutofit fontScale="55000" lnSpcReduction="20000"/>
           </a:bodyPr>
           <a:lstStyle/>
           <a:p>
@@ -4510,210 +4326,17 @@
   <p:clrMapOvr>
     <a:masterClrMapping/>
   </p:clrMapOvr>
+  <p:timing>
+    <p:tnLst>
+      <p:par>
+        <p:cTn id="1" dur="indefinite" restart="never" nodeType="tmRoot"/>
+      </p:par>
+    </p:tnLst>
+  </p:timing>
 </p:sld>
 </file>
 
 <file path=ppt/slides/slide7.xml><?xml version="1.0" encoding="utf-8"?>
-<p:sld xmlns:a="http://schemas.openxmlformats.org/drawingml/2006/main" xmlns:r="http://schemas.openxmlformats.org/officeDocument/2006/relationships" xmlns:p="http://schemas.openxmlformats.org/presentationml/2006/main">
-  <p:cSld>
-    <p:spTree>
-      <p:nvGrpSpPr>
-        <p:cNvPr id="1" name=""/>
-        <p:cNvGrpSpPr/>
-        <p:nvPr/>
-      </p:nvGrpSpPr>
-      <p:grpSpPr>
-        <a:xfrm>
-          <a:off x="0" y="0"/>
-          <a:ext cx="0" cy="0"/>
-          <a:chOff x="0" y="0"/>
-          <a:chExt cx="0" cy="0"/>
-        </a:xfrm>
-      </p:grpSpPr>
-      <p:sp>
-        <p:nvSpPr>
-          <p:cNvPr id="4" name="Title 3"/>
-          <p:cNvSpPr>
-            <a:spLocks noGrp="1"/>
-          </p:cNvSpPr>
-          <p:nvPr>
-            <p:ph type="title"/>
-          </p:nvPr>
-        </p:nvSpPr>
-        <p:spPr>
-          <a:xfrm>
-            <a:off x="838200" y="304801"/>
-            <a:ext cx="7315200" cy="914400"/>
-          </a:xfrm>
-        </p:spPr>
-        <p:txBody>
-          <a:bodyPr/>
-          <a:lstStyle/>
-          <a:p>
-            <a:pPr algn="ctr"/>
-            <a:r>
-              <a:rPr lang="en-US" dirty="0" smtClean="0"/>
-              <a:t>System Design</a:t>
-            </a:r>
-            <a:endParaRPr lang="en-US" dirty="0"/>
-          </a:p>
-        </p:txBody>
-      </p:sp>
-      <p:pic>
-        <p:nvPicPr>
-          <p:cNvPr id="3074" name="Picture 2" descr="C:\Users\Shadeh\Downloads\Deployment Diagram (1).png"/>
-          <p:cNvPicPr>
-            <a:picLocks noChangeAspect="1" noChangeArrowheads="1"/>
-          </p:cNvPicPr>
-          <p:nvPr/>
-        </p:nvPicPr>
-        <p:blipFill>
-          <a:blip r:embed="rId2">
-            <a:extLst>
-              <a:ext uri="{28A0092B-C50C-407E-A947-70E740481C1C}">
-                <a14:useLocalDpi xmlns:a14="http://schemas.microsoft.com/office/drawing/2010/main" val="0"/>
-              </a:ext>
-            </a:extLst>
-          </a:blip>
-          <a:srcRect/>
-          <a:stretch>
-            <a:fillRect/>
-          </a:stretch>
-        </p:blipFill>
-        <p:spPr bwMode="auto">
-          <a:xfrm>
-            <a:off x="304800" y="2603500"/>
-            <a:ext cx="8650584" cy="2038122"/>
-          </a:xfrm>
-          <a:prstGeom prst="rect">
-            <a:avLst/>
-          </a:prstGeom>
-          <a:noFill/>
-          <a:extLst>
-            <a:ext uri="{909E8E84-426E-40DD-AFC4-6F175D3DCCD1}">
-              <a14:hiddenFill xmlns:a14="http://schemas.microsoft.com/office/drawing/2010/main">
-                <a:solidFill>
-                  <a:srgbClr val="FFFFFF"/>
-                </a:solidFill>
-              </a14:hiddenFill>
-            </a:ext>
-          </a:extLst>
-        </p:spPr>
-      </p:pic>
-    </p:spTree>
-    <p:extLst>
-      <p:ext uri="{BB962C8B-B14F-4D97-AF65-F5344CB8AC3E}">
-        <p14:creationId xmlns:p14="http://schemas.microsoft.com/office/powerpoint/2010/main" val="3287519291"/>
-      </p:ext>
-    </p:extLst>
-  </p:cSld>
-  <p:clrMapOvr>
-    <a:masterClrMapping/>
-  </p:clrMapOvr>
-</p:sld>
-</file>
-
-<file path=ppt/slides/slide8.xml><?xml version="1.0" encoding="utf-8"?>
-<p:sld xmlns:a="http://schemas.openxmlformats.org/drawingml/2006/main" xmlns:r="http://schemas.openxmlformats.org/officeDocument/2006/relationships" xmlns:p="http://schemas.openxmlformats.org/presentationml/2006/main">
-  <p:cSld>
-    <p:spTree>
-      <p:nvGrpSpPr>
-        <p:cNvPr id="1" name=""/>
-        <p:cNvGrpSpPr/>
-        <p:nvPr/>
-      </p:nvGrpSpPr>
-      <p:grpSpPr>
-        <a:xfrm>
-          <a:off x="0" y="0"/>
-          <a:ext cx="0" cy="0"/>
-          <a:chOff x="0" y="0"/>
-          <a:chExt cx="0" cy="0"/>
-        </a:xfrm>
-      </p:grpSpPr>
-      <p:pic>
-        <p:nvPicPr>
-          <p:cNvPr id="1026" name="Picture 2" descr="C:\Users\Shadeh\Downloads\769SD.png"/>
-          <p:cNvPicPr>
-            <a:picLocks noChangeAspect="1" noChangeArrowheads="1"/>
-          </p:cNvPicPr>
-          <p:nvPr/>
-        </p:nvPicPr>
-        <p:blipFill>
-          <a:blip r:embed="rId2">
-            <a:extLst>
-              <a:ext uri="{28A0092B-C50C-407E-A947-70E740481C1C}">
-                <a14:useLocalDpi xmlns:a14="http://schemas.microsoft.com/office/drawing/2010/main" val="0"/>
-              </a:ext>
-            </a:extLst>
-          </a:blip>
-          <a:srcRect/>
-          <a:stretch>
-            <a:fillRect/>
-          </a:stretch>
-        </p:blipFill>
-        <p:spPr bwMode="auto">
-          <a:xfrm>
-            <a:off x="457199" y="2286000"/>
-            <a:ext cx="8441065" cy="2770188"/>
-          </a:xfrm>
-          <a:prstGeom prst="rect">
-            <a:avLst/>
-          </a:prstGeom>
-          <a:noFill/>
-          <a:extLst>
-            <a:ext uri="{909E8E84-426E-40DD-AFC4-6F175D3DCCD1}">
-              <a14:hiddenFill xmlns:a14="http://schemas.microsoft.com/office/drawing/2010/main">
-                <a:solidFill>
-                  <a:srgbClr val="FFFFFF"/>
-                </a:solidFill>
-              </a14:hiddenFill>
-            </a:ext>
-          </a:extLst>
-        </p:spPr>
-      </p:pic>
-      <p:sp>
-        <p:nvSpPr>
-          <p:cNvPr id="2" name="Title 1"/>
-          <p:cNvSpPr>
-            <a:spLocks noGrp="1"/>
-          </p:cNvSpPr>
-          <p:nvPr>
-            <p:ph type="title"/>
-          </p:nvPr>
-        </p:nvSpPr>
-        <p:spPr>
-          <a:xfrm>
-            <a:off x="914400" y="304800"/>
-            <a:ext cx="7315200" cy="1154097"/>
-          </a:xfrm>
-        </p:spPr>
-        <p:txBody>
-          <a:bodyPr/>
-          <a:lstStyle/>
-          <a:p>
-            <a:pPr algn="ctr"/>
-            <a:r>
-              <a:rPr lang="en-US" dirty="0" smtClean="0"/>
-              <a:t>Voice Control System Example</a:t>
-            </a:r>
-            <a:endParaRPr lang="en-US" dirty="0"/>
-          </a:p>
-        </p:txBody>
-      </p:sp>
-    </p:spTree>
-    <p:extLst>
-      <p:ext uri="{BB962C8B-B14F-4D97-AF65-F5344CB8AC3E}">
-        <p14:creationId xmlns:p14="http://schemas.microsoft.com/office/powerpoint/2010/main" val="1121737212"/>
-      </p:ext>
-    </p:extLst>
-  </p:cSld>
-  <p:clrMapOvr>
-    <a:masterClrMapping/>
-  </p:clrMapOvr>
-</p:sld>
-</file>
-
-<file path=ppt/slides/slide9.xml><?xml version="1.0" encoding="utf-8"?>
 <p:sld xmlns:a="http://schemas.openxmlformats.org/drawingml/2006/main" xmlns:r="http://schemas.openxmlformats.org/officeDocument/2006/relationships" xmlns:p="http://schemas.openxmlformats.org/presentationml/2006/main">
   <p:cSld>
     <p:spTree>
@@ -4753,8 +4376,8 @@
         </p:blipFill>
         <p:spPr bwMode="auto">
           <a:xfrm>
-            <a:off x="2743200" y="1371600"/>
-            <a:ext cx="3567917" cy="5080000"/>
+            <a:off x="2743201" y="1028700"/>
+            <a:ext cx="3567917" cy="3810000"/>
           </a:xfrm>
           <a:prstGeom prst="rect">
             <a:avLst/>
@@ -4783,8 +4406,8 @@
         </p:nvSpPr>
         <p:spPr>
           <a:xfrm>
-            <a:off x="838200" y="228600"/>
-            <a:ext cx="7315200" cy="1022412"/>
+            <a:off x="838200" y="171450"/>
+            <a:ext cx="7315200" cy="766809"/>
           </a:xfrm>
         </p:spPr>
         <p:txBody>
@@ -4810,6 +4433,253 @@
   <p:clrMapOvr>
     <a:masterClrMapping/>
   </p:clrMapOvr>
+  <p:timing>
+    <p:tnLst>
+      <p:par>
+        <p:cTn id="1" dur="indefinite" restart="never" nodeType="tmRoot"/>
+      </p:par>
+    </p:tnLst>
+  </p:timing>
+</p:sld>
+</file>
+
+<file path=ppt/slides/slide8.xml><?xml version="1.0" encoding="utf-8"?>
+<p:sld xmlns:a="http://schemas.openxmlformats.org/drawingml/2006/main" xmlns:r="http://schemas.openxmlformats.org/officeDocument/2006/relationships" xmlns:p="http://schemas.openxmlformats.org/presentationml/2006/main">
+  <p:cSld>
+    <p:spTree>
+      <p:nvGrpSpPr>
+        <p:cNvPr id="1" name=""/>
+        <p:cNvGrpSpPr/>
+        <p:nvPr/>
+      </p:nvGrpSpPr>
+      <p:grpSpPr>
+        <a:xfrm>
+          <a:off x="0" y="0"/>
+          <a:ext cx="0" cy="0"/>
+          <a:chOff x="0" y="0"/>
+          <a:chExt cx="0" cy="0"/>
+        </a:xfrm>
+      </p:grpSpPr>
+      <p:pic>
+        <p:nvPicPr>
+          <p:cNvPr id="3" name="Picture 32" descr="C:\Users\Shadeh\Desktop\Discovery Lab\Pics for Poster\publisher screenshot.png"/>
+          <p:cNvPicPr>
+            <a:picLocks noChangeAspect="1" noChangeArrowheads="1"/>
+          </p:cNvPicPr>
+          <p:nvPr/>
+        </p:nvPicPr>
+        <p:blipFill>
+          <a:blip r:embed="rId2">
+            <a:extLst>
+              <a:ext uri="{28A0092B-C50C-407E-A947-70E740481C1C}">
+                <a14:useLocalDpi xmlns:a14="http://schemas.microsoft.com/office/drawing/2010/main" val="0"/>
+              </a:ext>
+            </a:extLst>
+          </a:blip>
+          <a:srcRect/>
+          <a:stretch>
+            <a:fillRect/>
+          </a:stretch>
+        </p:blipFill>
+        <p:spPr bwMode="auto">
+          <a:xfrm>
+            <a:off x="2971801" y="1314450"/>
+            <a:ext cx="2754621" cy="3609975"/>
+          </a:xfrm>
+          <a:prstGeom prst="rect">
+            <a:avLst/>
+          </a:prstGeom>
+          <a:noFill/>
+          <a:ln>
+            <a:noFill/>
+          </a:ln>
+          <a:extLst>
+            <a:ext uri="{909E8E84-426E-40DD-AFC4-6F175D3DCCD1}">
+              <a14:hiddenFill xmlns:a14="http://schemas.microsoft.com/office/drawing/2010/main">
+                <a:solidFill>
+                  <a:srgbClr val="FFFFFF"/>
+                </a:solidFill>
+              </a14:hiddenFill>
+            </a:ext>
+            <a:ext uri="{91240B29-F687-4F45-9708-019B960494DF}">
+              <a14:hiddenLine xmlns:a14="http://schemas.microsoft.com/office/drawing/2010/main" w="9525">
+                <a:solidFill>
+                  <a:srgbClr val="000000"/>
+                </a:solidFill>
+                <a:miter lim="800000"/>
+                <a:headEnd/>
+                <a:tailEnd/>
+              </a14:hiddenLine>
+            </a:ext>
+          </a:extLst>
+        </p:spPr>
+      </p:pic>
+      <p:sp>
+        <p:nvSpPr>
+          <p:cNvPr id="4" name="Title 3"/>
+          <p:cNvSpPr>
+            <a:spLocks noGrp="1"/>
+          </p:cNvSpPr>
+          <p:nvPr>
+            <p:ph type="title"/>
+          </p:nvPr>
+        </p:nvSpPr>
+        <p:spPr>
+          <a:xfrm>
+            <a:off x="818703" y="228600"/>
+            <a:ext cx="7315200" cy="865573"/>
+          </a:xfrm>
+        </p:spPr>
+        <p:txBody>
+          <a:bodyPr/>
+          <a:lstStyle/>
+          <a:p>
+            <a:pPr algn="ctr"/>
+            <a:r>
+              <a:rPr lang="en-US" dirty="0" smtClean="0"/>
+              <a:t>IMU Master/Publisher GUI</a:t>
+            </a:r>
+            <a:endParaRPr lang="en-US" dirty="0"/>
+          </a:p>
+        </p:txBody>
+      </p:sp>
+    </p:spTree>
+    <p:extLst>
+      <p:ext uri="{BB962C8B-B14F-4D97-AF65-F5344CB8AC3E}">
+        <p14:creationId xmlns:p14="http://schemas.microsoft.com/office/powerpoint/2010/main" val="1236916587"/>
+      </p:ext>
+    </p:extLst>
+  </p:cSld>
+  <p:clrMapOvr>
+    <a:masterClrMapping/>
+  </p:clrMapOvr>
+  <p:timing>
+    <p:tnLst>
+      <p:par>
+        <p:cTn id="1" dur="indefinite" restart="never" nodeType="tmRoot"/>
+      </p:par>
+    </p:tnLst>
+  </p:timing>
+</p:sld>
+</file>
+
+<file path=ppt/slides/slide9.xml><?xml version="1.0" encoding="utf-8"?>
+<p:sld xmlns:a="http://schemas.openxmlformats.org/drawingml/2006/main" xmlns:r="http://schemas.openxmlformats.org/officeDocument/2006/relationships" xmlns:p="http://schemas.openxmlformats.org/presentationml/2006/main">
+  <p:cSld>
+    <p:spTree>
+      <p:nvGrpSpPr>
+        <p:cNvPr id="1" name=""/>
+        <p:cNvGrpSpPr/>
+        <p:nvPr/>
+      </p:nvGrpSpPr>
+      <p:grpSpPr>
+        <a:xfrm>
+          <a:off x="0" y="0"/>
+          <a:ext cx="0" cy="0"/>
+          <a:chOff x="0" y="0"/>
+          <a:chExt cx="0" cy="0"/>
+        </a:xfrm>
+      </p:grpSpPr>
+      <p:pic>
+        <p:nvPicPr>
+          <p:cNvPr id="2" name="Picture 34" descr="C:\Users\Shadeh\Desktop\Discovery Lab\Pics for Poster\voice master screenshot.png"/>
+          <p:cNvPicPr>
+            <a:picLocks noChangeAspect="1" noChangeArrowheads="1"/>
+          </p:cNvPicPr>
+          <p:nvPr/>
+        </p:nvPicPr>
+        <p:blipFill>
+          <a:blip r:embed="rId2">
+            <a:extLst>
+              <a:ext uri="{28A0092B-C50C-407E-A947-70E740481C1C}">
+                <a14:useLocalDpi xmlns:a14="http://schemas.microsoft.com/office/drawing/2010/main" val="0"/>
+              </a:ext>
+            </a:extLst>
+          </a:blip>
+          <a:srcRect/>
+          <a:stretch>
+            <a:fillRect/>
+          </a:stretch>
+        </p:blipFill>
+        <p:spPr bwMode="auto">
+          <a:xfrm>
+            <a:off x="1143000" y="1828800"/>
+            <a:ext cx="7065144" cy="1143000"/>
+          </a:xfrm>
+          <a:prstGeom prst="rect">
+            <a:avLst/>
+          </a:prstGeom>
+          <a:noFill/>
+          <a:ln>
+            <a:noFill/>
+          </a:ln>
+          <a:extLst>
+            <a:ext uri="{909E8E84-426E-40DD-AFC4-6F175D3DCCD1}">
+              <a14:hiddenFill xmlns:a14="http://schemas.microsoft.com/office/drawing/2010/main">
+                <a:solidFill>
+                  <a:srgbClr val="FFFFFF"/>
+                </a:solidFill>
+              </a14:hiddenFill>
+            </a:ext>
+            <a:ext uri="{91240B29-F687-4F45-9708-019B960494DF}">
+              <a14:hiddenLine xmlns:a14="http://schemas.microsoft.com/office/drawing/2010/main" w="9525">
+                <a:solidFill>
+                  <a:srgbClr val="000000"/>
+                </a:solidFill>
+                <a:miter lim="800000"/>
+                <a:headEnd/>
+                <a:tailEnd/>
+              </a14:hiddenLine>
+            </a:ext>
+          </a:extLst>
+        </p:spPr>
+      </p:pic>
+      <p:sp>
+        <p:nvSpPr>
+          <p:cNvPr id="3" name="Title 2"/>
+          <p:cNvSpPr>
+            <a:spLocks noGrp="1"/>
+          </p:cNvSpPr>
+          <p:nvPr>
+            <p:ph type="title"/>
+          </p:nvPr>
+        </p:nvSpPr>
+        <p:spPr>
+          <a:xfrm>
+            <a:off x="892944" y="57150"/>
+            <a:ext cx="7315200" cy="865573"/>
+          </a:xfrm>
+        </p:spPr>
+        <p:txBody>
+          <a:bodyPr/>
+          <a:lstStyle/>
+          <a:p>
+            <a:pPr algn="ctr"/>
+            <a:r>
+              <a:rPr lang="en-US" dirty="0" smtClean="0"/>
+              <a:t>Voice Master/Publisher GUI</a:t>
+            </a:r>
+            <a:endParaRPr lang="en-US" dirty="0"/>
+          </a:p>
+        </p:txBody>
+      </p:sp>
+    </p:spTree>
+    <p:extLst>
+      <p:ext uri="{BB962C8B-B14F-4D97-AF65-F5344CB8AC3E}">
+        <p14:creationId xmlns:p14="http://schemas.microsoft.com/office/powerpoint/2010/main" val="3099653501"/>
+      </p:ext>
+    </p:extLst>
+  </p:cSld>
+  <p:clrMapOvr>
+    <a:masterClrMapping/>
+  </p:clrMapOvr>
+  <p:timing>
+    <p:tnLst>
+      <p:par>
+        <p:cTn id="1" dur="indefinite" restart="never" nodeType="tmRoot"/>
+      </p:par>
+    </p:tnLst>
+  </p:timing>
 </p:sld>
 </file>
 
